--- a/PhD Thesis Francesco/Figures/Figures.pptx
+++ b/PhD Thesis Francesco/Figures/Figures.pptx
@@ -112,6 +112,10 @@
 </p:presentation>
 </file>
 
+<file path=ppt/revisionInfo.xml><?xml version="1.0" encoding="utf-8"?>
+<p1510:revInfo xmlns:a="http://schemas.openxmlformats.org/drawingml/2006/main" xmlns:r="http://schemas.openxmlformats.org/officeDocument/2006/relationships" xmlns:p1510="http://schemas.microsoft.com/office/powerpoint/2015/10/main"/>
+</file>
+
 <file path=ppt/slideLayouts/slideLayout1.xml><?xml version="1.0" encoding="utf-8"?>
 <p:sldLayout xmlns:a="http://schemas.openxmlformats.org/drawingml/2006/main" xmlns:r="http://schemas.openxmlformats.org/officeDocument/2006/relationships" xmlns:p="http://schemas.openxmlformats.org/presentationml/2006/main" type="title" preserve="1">
   <p:cSld name="Title Slide">
@@ -243,7 +247,7 @@
           <a:p>
             <a:fld id="{83DA1AE0-988A-47BB-BB3D-7F22EFD49CC2}" type="datetimeFigureOut">
               <a:rPr lang="it-IT" smtClean="0"/>
-              <a:t>13/02/2017</a:t>
+              <a:t>27/09/2017</a:t>
             </a:fld>
             <a:endParaRPr lang="it-IT"/>
           </a:p>
@@ -413,7 +417,7 @@
           <a:p>
             <a:fld id="{83DA1AE0-988A-47BB-BB3D-7F22EFD49CC2}" type="datetimeFigureOut">
               <a:rPr lang="it-IT" smtClean="0"/>
-              <a:t>13/02/2017</a:t>
+              <a:t>27/09/2017</a:t>
             </a:fld>
             <a:endParaRPr lang="it-IT"/>
           </a:p>
@@ -593,7 +597,7 @@
           <a:p>
             <a:fld id="{83DA1AE0-988A-47BB-BB3D-7F22EFD49CC2}" type="datetimeFigureOut">
               <a:rPr lang="it-IT" smtClean="0"/>
-              <a:t>13/02/2017</a:t>
+              <a:t>27/09/2017</a:t>
             </a:fld>
             <a:endParaRPr lang="it-IT"/>
           </a:p>
@@ -763,7 +767,7 @@
           <a:p>
             <a:fld id="{83DA1AE0-988A-47BB-BB3D-7F22EFD49CC2}" type="datetimeFigureOut">
               <a:rPr lang="it-IT" smtClean="0"/>
-              <a:t>13/02/2017</a:t>
+              <a:t>27/09/2017</a:t>
             </a:fld>
             <a:endParaRPr lang="it-IT"/>
           </a:p>
@@ -1009,7 +1013,7 @@
           <a:p>
             <a:fld id="{83DA1AE0-988A-47BB-BB3D-7F22EFD49CC2}" type="datetimeFigureOut">
               <a:rPr lang="it-IT" smtClean="0"/>
-              <a:t>13/02/2017</a:t>
+              <a:t>27/09/2017</a:t>
             </a:fld>
             <a:endParaRPr lang="it-IT"/>
           </a:p>
@@ -1241,7 +1245,7 @@
           <a:p>
             <a:fld id="{83DA1AE0-988A-47BB-BB3D-7F22EFD49CC2}" type="datetimeFigureOut">
               <a:rPr lang="it-IT" smtClean="0"/>
-              <a:t>13/02/2017</a:t>
+              <a:t>27/09/2017</a:t>
             </a:fld>
             <a:endParaRPr lang="it-IT"/>
           </a:p>
@@ -1608,7 +1612,7 @@
           <a:p>
             <a:fld id="{83DA1AE0-988A-47BB-BB3D-7F22EFD49CC2}" type="datetimeFigureOut">
               <a:rPr lang="it-IT" smtClean="0"/>
-              <a:t>13/02/2017</a:t>
+              <a:t>27/09/2017</a:t>
             </a:fld>
             <a:endParaRPr lang="it-IT"/>
           </a:p>
@@ -1726,7 +1730,7 @@
           <a:p>
             <a:fld id="{83DA1AE0-988A-47BB-BB3D-7F22EFD49CC2}" type="datetimeFigureOut">
               <a:rPr lang="it-IT" smtClean="0"/>
-              <a:t>13/02/2017</a:t>
+              <a:t>27/09/2017</a:t>
             </a:fld>
             <a:endParaRPr lang="it-IT"/>
           </a:p>
@@ -1821,7 +1825,7 @@
           <a:p>
             <a:fld id="{83DA1AE0-988A-47BB-BB3D-7F22EFD49CC2}" type="datetimeFigureOut">
               <a:rPr lang="it-IT" smtClean="0"/>
-              <a:t>13/02/2017</a:t>
+              <a:t>27/09/2017</a:t>
             </a:fld>
             <a:endParaRPr lang="it-IT"/>
           </a:p>
@@ -2098,7 +2102,7 @@
           <a:p>
             <a:fld id="{83DA1AE0-988A-47BB-BB3D-7F22EFD49CC2}" type="datetimeFigureOut">
               <a:rPr lang="it-IT" smtClean="0"/>
-              <a:t>13/02/2017</a:t>
+              <a:t>27/09/2017</a:t>
             </a:fld>
             <a:endParaRPr lang="it-IT"/>
           </a:p>
@@ -2351,7 +2355,7 @@
           <a:p>
             <a:fld id="{83DA1AE0-988A-47BB-BB3D-7F22EFD49CC2}" type="datetimeFigureOut">
               <a:rPr lang="it-IT" smtClean="0"/>
-              <a:t>13/02/2017</a:t>
+              <a:t>27/09/2017</a:t>
             </a:fld>
             <a:endParaRPr lang="it-IT"/>
           </a:p>
@@ -2564,7 +2568,7 @@
           <a:p>
             <a:fld id="{83DA1AE0-988A-47BB-BB3D-7F22EFD49CC2}" type="datetimeFigureOut">
               <a:rPr lang="it-IT" smtClean="0"/>
-              <a:t>13/02/2017</a:t>
+              <a:t>27/09/2017</a:t>
             </a:fld>
             <a:endParaRPr lang="it-IT"/>
           </a:p>
@@ -2971,61 +2975,6 @@
       </p:grpSpPr>
       <p:sp>
         <p:nvSpPr>
-          <p:cNvPr id="4" name="Rectangle 3"/>
-          <p:cNvSpPr/>
-          <p:nvPr/>
-        </p:nvSpPr>
-        <p:spPr>
-          <a:xfrm>
-            <a:off x="6005143" y="518746"/>
-            <a:ext cx="2136534" cy="1151792"/>
-          </a:xfrm>
-          <a:prstGeom prst="rect">
-            <a:avLst/>
-          </a:prstGeom>
-          <a:solidFill>
-            <a:schemeClr val="bg1"/>
-          </a:solidFill>
-          <a:ln>
-            <a:solidFill>
-              <a:schemeClr val="tx1"/>
-            </a:solidFill>
-          </a:ln>
-        </p:spPr>
-        <p:style>
-          <a:lnRef idx="2">
-            <a:schemeClr val="accent1">
-              <a:shade val="50000"/>
-            </a:schemeClr>
-          </a:lnRef>
-          <a:fillRef idx="1">
-            <a:schemeClr val="accent1"/>
-          </a:fillRef>
-          <a:effectRef idx="0">
-            <a:schemeClr val="accent1"/>
-          </a:effectRef>
-          <a:fontRef idx="minor">
-            <a:schemeClr val="lt1"/>
-          </a:fontRef>
-        </p:style>
-        <p:txBody>
-          <a:bodyPr rtlCol="0" anchor="ctr"/>
-          <a:lstStyle/>
-          <a:p>
-            <a:pPr algn="ctr"/>
-            <a:r>
-              <a:rPr lang="it-IT" dirty="0">
-                <a:solidFill>
-                  <a:schemeClr val="tx1"/>
-                </a:solidFill>
-              </a:rPr>
-              <a:t>SET SUM = 0</a:t>
-            </a:r>
-          </a:p>
-        </p:txBody>
-      </p:sp>
-      <p:sp>
-        <p:nvSpPr>
           <p:cNvPr id="6" name="Rectangle 5"/>
           <p:cNvSpPr/>
           <p:nvPr/>
@@ -3143,7 +3092,8 @@
         <p:nvCxnSpPr>
           <p:cNvPr id="11" name="Straight Arrow Connector 10"/>
           <p:cNvCxnSpPr>
-            <a:stCxn id="4" idx="2"/>
+            <a:cxnSpLocks/>
+            <a:stCxn id="2" idx="2"/>
             <a:endCxn id="6" idx="0"/>
           </p:cNvCxnSpPr>
           <p:nvPr/>
@@ -3411,6 +3361,67 @@
             <a:r>
               <a:rPr lang="it-IT" sz="1200" dirty="0"/>
               <a:t>NO</a:t>
+            </a:r>
+          </a:p>
+        </p:txBody>
+      </p:sp>
+      <p:sp>
+        <p:nvSpPr>
+          <p:cNvPr id="2" name="Rectangle: Rounded Corners 1">
+            <a:extLst>
+              <a:ext uri="{FF2B5EF4-FFF2-40B4-BE49-F238E27FC236}">
+                <a16:creationId xmlns:a16="http://schemas.microsoft.com/office/drawing/2014/main" id="{DAF7CF5B-263B-49C0-8EC1-A59956EB4356}"/>
+              </a:ext>
+            </a:extLst>
+          </p:cNvPr>
+          <p:cNvSpPr/>
+          <p:nvPr/>
+        </p:nvSpPr>
+        <p:spPr>
+          <a:xfrm>
+            <a:off x="6005143" y="543073"/>
+            <a:ext cx="2136534" cy="1127465"/>
+          </a:xfrm>
+          <a:prstGeom prst="roundRect">
+            <a:avLst/>
+          </a:prstGeom>
+          <a:solidFill>
+            <a:schemeClr val="bg1"/>
+          </a:solidFill>
+          <a:ln>
+            <a:solidFill>
+              <a:schemeClr val="tx1"/>
+            </a:solidFill>
+          </a:ln>
+        </p:spPr>
+        <p:style>
+          <a:lnRef idx="2">
+            <a:schemeClr val="accent1">
+              <a:shade val="50000"/>
+            </a:schemeClr>
+          </a:lnRef>
+          <a:fillRef idx="1">
+            <a:schemeClr val="accent1"/>
+          </a:fillRef>
+          <a:effectRef idx="0">
+            <a:schemeClr val="accent1"/>
+          </a:effectRef>
+          <a:fontRef idx="minor">
+            <a:schemeClr val="lt1"/>
+          </a:fontRef>
+        </p:style>
+        <p:txBody>
+          <a:bodyPr rtlCol="0" anchor="ctr"/>
+          <a:lstStyle/>
+          <a:p>
+            <a:pPr algn="ctr"/>
+            <a:r>
+              <a:rPr lang="it-IT" dirty="0">
+                <a:solidFill>
+                  <a:schemeClr val="tx1"/>
+                </a:solidFill>
+              </a:rPr>
+              <a:t>SET SUM = 0</a:t>
             </a:r>
           </a:p>
         </p:txBody>
